--- a/FireFlighter/FireFlighter-Presentation.pptx
+++ b/FireFlighter/FireFlighter-Presentation.pptx
@@ -1,6 +1,6 @@
 
 <file path=ppt/presentation.xml><?xml version="1.0" encoding="utf-8"?>
-<p:presentation xmlns:a="http://schemas.openxmlformats.org/drawingml/2006/main" xmlns:r="http://schemas.openxmlformats.org/officeDocument/2006/relationships" xmlns:p="http://schemas.openxmlformats.org/presentationml/2006/main" showSpecialPlsOnTitleSld="0" strictFirstAndLastChars="0" embedTrueTypeFonts="1" saveSubsetFonts="1" autoCompressPictures="0">
+<p:presentation xmlns:a="http://schemas.openxmlformats.org/drawingml/2006/main" xmlns:r="http://schemas.openxmlformats.org/officeDocument/2006/relationships" xmlns:p="http://schemas.openxmlformats.org/presentationml/2006/main" serverZoom="38139" showSpecialPlsOnTitleSld="0" strictFirstAndLastChars="0" embedTrueTypeFonts="1" saveSubsetFonts="1" autoCompressPictures="0">
   <p:sldMasterIdLst>
     <p:sldMasterId id="2147483657" r:id="rId1"/>
   </p:sldMasterIdLst>
@@ -269,6 +269,11 @@
       </a:defRPr>
     </a:lvl9pPr>
   </p:defaultTextStyle>
+  <p:extLst>
+    <p:ext uri="{EFAFB233-063F-42B5-8137-9DF3F51BA10A}">
+      <p15:sldGuideLst xmlns:p15="http://schemas.microsoft.com/office/powerpoint/2012/main"/>
+    </p:ext>
+  </p:extLst>
 </p:presentation>
 </file>
 

--- a/FireFlighter/FireFlighter-Presentation.pptx
+++ b/FireFlighter/FireFlighter-Presentation.pptx
@@ -1,6 +1,6 @@
 
 <file path=ppt/presentation.xml><?xml version="1.0" encoding="utf-8"?>
-<p:presentation xmlns:a="http://schemas.openxmlformats.org/drawingml/2006/main" xmlns:r="http://schemas.openxmlformats.org/officeDocument/2006/relationships" xmlns:p="http://schemas.openxmlformats.org/presentationml/2006/main" serverZoom="38139" showSpecialPlsOnTitleSld="0" strictFirstAndLastChars="0" embedTrueTypeFonts="1" saveSubsetFonts="1" autoCompressPictures="0">
+<p:presentation xmlns:a="http://schemas.openxmlformats.org/drawingml/2006/main" xmlns:r="http://schemas.openxmlformats.org/officeDocument/2006/relationships" xmlns:p="http://schemas.openxmlformats.org/presentationml/2006/main" showSpecialPlsOnTitleSld="0" strictFirstAndLastChars="0" embedTrueTypeFonts="1" saveSubsetFonts="1" autoCompressPictures="0">
   <p:sldMasterIdLst>
     <p:sldMasterId id="2147483657" r:id="rId1"/>
   </p:sldMasterIdLst>
@@ -269,11 +269,6 @@
       </a:defRPr>
     </a:lvl9pPr>
   </p:defaultTextStyle>
-  <p:extLst>
-    <p:ext uri="{EFAFB233-063F-42B5-8137-9DF3F51BA10A}">
-      <p15:sldGuideLst xmlns:p15="http://schemas.microsoft.com/office/powerpoint/2012/main"/>
-    </p:ext>
-  </p:extLst>
 </p:presentation>
 </file>
 
